--- a/PythonStandardLibrariesModules/PythonModules.pptx
+++ b/PythonStandardLibrariesModules/PythonModules.pptx
@@ -7,6 +7,8 @@
   <p:sldIdLst>
     <p:sldId id="256" r:id="rId2"/>
     <p:sldId id="259" r:id="rId3"/>
+    <p:sldId id="260" r:id="rId4"/>
+    <p:sldId id="261" r:id="rId5"/>
   </p:sldIdLst>
   <p:sldSz cx="12192000" cy="6858000"/>
   <p:notesSz cx="6858000" cy="9144000"/>
@@ -1167,6 +1169,13 @@
         </dgm:presLayoutVars>
       </dgm:prSet>
       <dgm:spPr/>
+      <dgm:t>
+        <a:bodyPr/>
+        <a:lstStyle/>
+        <a:p>
+          <a:endParaRPr lang="en-US"/>
+        </a:p>
+      </dgm:t>
     </dgm:pt>
     <dgm:pt modelId="{E1A321FF-363E-4961-A3D2-527580D8CF0F}" type="pres">
       <dgm:prSet presAssocID="{6A7042EE-B043-41B3-A2DD-486C423C2065}" presName="vertOne" presStyleCnt="0"/>
@@ -1179,6 +1188,13 @@
         </dgm:presLayoutVars>
       </dgm:prSet>
       <dgm:spPr/>
+      <dgm:t>
+        <a:bodyPr/>
+        <a:lstStyle/>
+        <a:p>
+          <a:endParaRPr lang="en-US"/>
+        </a:p>
+      </dgm:t>
     </dgm:pt>
     <dgm:pt modelId="{6D83A73B-B8D2-433B-A4A5-A4883E0C8AC8}" type="pres">
       <dgm:prSet presAssocID="{6A7042EE-B043-41B3-A2DD-486C423C2065}" presName="parTransOne" presStyleCnt="0"/>
@@ -1226,6 +1242,13 @@
         </dgm:presLayoutVars>
       </dgm:prSet>
       <dgm:spPr/>
+      <dgm:t>
+        <a:bodyPr/>
+        <a:lstStyle/>
+        <a:p>
+          <a:endParaRPr lang="en-US"/>
+        </a:p>
+      </dgm:t>
     </dgm:pt>
     <dgm:pt modelId="{4F2CEDB9-A2DC-455F-AF54-8B8941BB26B9}" type="pres">
       <dgm:prSet presAssocID="{0DFB63B6-8B7D-45FA-8242-AA52860B0C79}" presName="horzThree" presStyleCnt="0"/>
@@ -1246,6 +1269,13 @@
         </dgm:presLayoutVars>
       </dgm:prSet>
       <dgm:spPr/>
+      <dgm:t>
+        <a:bodyPr/>
+        <a:lstStyle/>
+        <a:p>
+          <a:endParaRPr lang="en-US"/>
+        </a:p>
+      </dgm:t>
     </dgm:pt>
     <dgm:pt modelId="{45576A3A-2FAC-487E-A886-416DFF650AEF}" type="pres">
       <dgm:prSet presAssocID="{C7A2D8A1-4E9A-4B13-89A1-F3A28CCD35AD}" presName="horzThree" presStyleCnt="0"/>
@@ -1266,6 +1296,13 @@
         </dgm:presLayoutVars>
       </dgm:prSet>
       <dgm:spPr/>
+      <dgm:t>
+        <a:bodyPr/>
+        <a:lstStyle/>
+        <a:p>
+          <a:endParaRPr lang="en-US"/>
+        </a:p>
+      </dgm:t>
     </dgm:pt>
     <dgm:pt modelId="{9906976C-A1A7-4C86-BC7F-217EA59068CB}" type="pres">
       <dgm:prSet presAssocID="{F7642E90-9522-437E-BF9E-C01B36829B91}" presName="parTransTwo" presStyleCnt="0"/>
@@ -1286,6 +1323,13 @@
         </dgm:presLayoutVars>
       </dgm:prSet>
       <dgm:spPr/>
+      <dgm:t>
+        <a:bodyPr/>
+        <a:lstStyle/>
+        <a:p>
+          <a:endParaRPr lang="en-US"/>
+        </a:p>
+      </dgm:t>
     </dgm:pt>
     <dgm:pt modelId="{7E077D8B-4CC8-4675-891C-9B5353473CEA}" type="pres">
       <dgm:prSet presAssocID="{939FA36E-4508-4EEE-9C3F-4DD9776E4A37}" presName="horzThree" presStyleCnt="0"/>
@@ -4110,7 +4154,7 @@
           <a:p>
             <a:fld id="{59CA71F8-4425-4DC6-865E-05414A4FA6AD}" type="datetimeFigureOut">
               <a:rPr lang="en-US" smtClean="0"/>
-              <a:t>2/4/2022</a:t>
+              <a:t>2/5/2022</a:t>
             </a:fld>
             <a:endParaRPr lang="en-US"/>
           </a:p>
@@ -4361,7 +4405,7 @@
           <a:p>
             <a:fld id="{59CA71F8-4425-4DC6-865E-05414A4FA6AD}" type="datetimeFigureOut">
               <a:rPr lang="en-US" smtClean="0"/>
-              <a:t>2/4/2022</a:t>
+              <a:t>2/5/2022</a:t>
             </a:fld>
             <a:endParaRPr lang="en-US"/>
           </a:p>
@@ -4675,7 +4719,7 @@
           <a:p>
             <a:fld id="{59CA71F8-4425-4DC6-865E-05414A4FA6AD}" type="datetimeFigureOut">
               <a:rPr lang="en-US" smtClean="0"/>
-              <a:t>2/4/2022</a:t>
+              <a:t>2/5/2022</a:t>
             </a:fld>
             <a:endParaRPr lang="en-US"/>
           </a:p>
@@ -5016,7 +5060,7 @@
           <a:p>
             <a:fld id="{59CA71F8-4425-4DC6-865E-05414A4FA6AD}" type="datetimeFigureOut">
               <a:rPr lang="en-US" smtClean="0"/>
-              <a:t>2/4/2022</a:t>
+              <a:t>2/5/2022</a:t>
             </a:fld>
             <a:endParaRPr lang="en-US"/>
           </a:p>
@@ -5330,7 +5374,7 @@
           <a:p>
             <a:fld id="{59CA71F8-4425-4DC6-865E-05414A4FA6AD}" type="datetimeFigureOut">
               <a:rPr lang="en-US" smtClean="0"/>
-              <a:t>2/4/2022</a:t>
+              <a:t>2/5/2022</a:t>
             </a:fld>
             <a:endParaRPr lang="en-US"/>
           </a:p>
@@ -5723,7 +5767,7 @@
           <a:p>
             <a:fld id="{59CA71F8-4425-4DC6-865E-05414A4FA6AD}" type="datetimeFigureOut">
               <a:rPr lang="en-US" smtClean="0"/>
-              <a:t>2/4/2022</a:t>
+              <a:t>2/5/2022</a:t>
             </a:fld>
             <a:endParaRPr lang="en-US"/>
           </a:p>
@@ -5893,7 +5937,7 @@
           <a:p>
             <a:fld id="{59CA71F8-4425-4DC6-865E-05414A4FA6AD}" type="datetimeFigureOut">
               <a:rPr lang="en-US" smtClean="0"/>
-              <a:t>2/4/2022</a:t>
+              <a:t>2/5/2022</a:t>
             </a:fld>
             <a:endParaRPr lang="en-US"/>
           </a:p>
@@ -6073,7 +6117,7 @@
           <a:p>
             <a:fld id="{59CA71F8-4425-4DC6-865E-05414A4FA6AD}" type="datetimeFigureOut">
               <a:rPr lang="en-US" smtClean="0"/>
-              <a:t>2/4/2022</a:t>
+              <a:t>2/5/2022</a:t>
             </a:fld>
             <a:endParaRPr lang="en-US"/>
           </a:p>
@@ -6249,7 +6293,7 @@
           <a:p>
             <a:fld id="{59CA71F8-4425-4DC6-865E-05414A4FA6AD}" type="datetimeFigureOut">
               <a:rPr lang="en-US" smtClean="0"/>
-              <a:t>2/4/2022</a:t>
+              <a:t>2/5/2022</a:t>
             </a:fld>
             <a:endParaRPr lang="en-US"/>
           </a:p>
@@ -6496,7 +6540,7 @@
           <a:p>
             <a:fld id="{59CA71F8-4425-4DC6-865E-05414A4FA6AD}" type="datetimeFigureOut">
               <a:rPr lang="en-US" smtClean="0"/>
-              <a:t>2/4/2022</a:t>
+              <a:t>2/5/2022</a:t>
             </a:fld>
             <a:endParaRPr lang="en-US"/>
           </a:p>
@@ -6728,7 +6772,7 @@
           <a:p>
             <a:fld id="{59CA71F8-4425-4DC6-865E-05414A4FA6AD}" type="datetimeFigureOut">
               <a:rPr lang="en-US" smtClean="0"/>
-              <a:t>2/4/2022</a:t>
+              <a:t>2/5/2022</a:t>
             </a:fld>
             <a:endParaRPr lang="en-US"/>
           </a:p>
@@ -7102,7 +7146,7 @@
           <a:p>
             <a:fld id="{59CA71F8-4425-4DC6-865E-05414A4FA6AD}" type="datetimeFigureOut">
               <a:rPr lang="en-US" smtClean="0"/>
-              <a:t>2/4/2022</a:t>
+              <a:t>2/5/2022</a:t>
             </a:fld>
             <a:endParaRPr lang="en-US"/>
           </a:p>
@@ -7225,7 +7269,7 @@
           <a:p>
             <a:fld id="{59CA71F8-4425-4DC6-865E-05414A4FA6AD}" type="datetimeFigureOut">
               <a:rPr lang="en-US" smtClean="0"/>
-              <a:t>2/4/2022</a:t>
+              <a:t>2/5/2022</a:t>
             </a:fld>
             <a:endParaRPr lang="en-US"/>
           </a:p>
@@ -7320,7 +7364,7 @@
           <a:p>
             <a:fld id="{59CA71F8-4425-4DC6-865E-05414A4FA6AD}" type="datetimeFigureOut">
               <a:rPr lang="en-US" smtClean="0"/>
-              <a:t>2/4/2022</a:t>
+              <a:t>2/5/2022</a:t>
             </a:fld>
             <a:endParaRPr lang="en-US"/>
           </a:p>
@@ -7575,7 +7619,7 @@
           <a:p>
             <a:fld id="{59CA71F8-4425-4DC6-865E-05414A4FA6AD}" type="datetimeFigureOut">
               <a:rPr lang="en-US" smtClean="0"/>
-              <a:t>2/4/2022</a:t>
+              <a:t>2/5/2022</a:t>
             </a:fld>
             <a:endParaRPr lang="en-US"/>
           </a:p>
@@ -7838,7 +7882,7 @@
           <a:p>
             <a:fld id="{59CA71F8-4425-4DC6-865E-05414A4FA6AD}" type="datetimeFigureOut">
               <a:rPr lang="en-US" smtClean="0"/>
-              <a:t>2/4/2022</a:t>
+              <a:t>2/5/2022</a:t>
             </a:fld>
             <a:endParaRPr lang="en-US"/>
           </a:p>
@@ -8581,7 +8625,7 @@
           <a:p>
             <a:fld id="{59CA71F8-4425-4DC6-865E-05414A4FA6AD}" type="datetimeFigureOut">
               <a:rPr lang="en-US" smtClean="0"/>
-              <a:t>2/4/2022</a:t>
+              <a:t>2/5/2022</a:t>
             </a:fld>
             <a:endParaRPr lang="en-US"/>
           </a:p>
@@ -9300,6 +9344,296 @@
 </p:sld>
 </file>
 
+<file path=ppt/slides/slide3.xml><?xml version="1.0" encoding="utf-8"?>
+<p:sld xmlns:a="http://schemas.openxmlformats.org/drawingml/2006/main" xmlns:r="http://schemas.openxmlformats.org/officeDocument/2006/relationships" xmlns:p="http://schemas.openxmlformats.org/presentationml/2006/main">
+  <p:cSld>
+    <p:spTree>
+      <p:nvGrpSpPr>
+        <p:cNvPr id="1" name=""/>
+        <p:cNvGrpSpPr/>
+        <p:nvPr/>
+      </p:nvGrpSpPr>
+      <p:grpSpPr>
+        <a:xfrm>
+          <a:off x="0" y="0"/>
+          <a:ext cx="0" cy="0"/>
+          <a:chOff x="0" y="0"/>
+          <a:chExt cx="0" cy="0"/>
+        </a:xfrm>
+      </p:grpSpPr>
+      <p:sp>
+        <p:nvSpPr>
+          <p:cNvPr id="2" name="Title 1"/>
+          <p:cNvSpPr>
+            <a:spLocks noGrp="1"/>
+          </p:cNvSpPr>
+          <p:nvPr>
+            <p:ph type="title"/>
+          </p:nvPr>
+        </p:nvSpPr>
+        <p:spPr/>
+        <p:txBody>
+          <a:bodyPr/>
+          <a:lstStyle/>
+          <a:p>
+            <a:r>
+              <a:rPr lang="en-US" dirty="0" smtClean="0"/>
+              <a:t>Creating Modules</a:t>
+            </a:r>
+            <a:endParaRPr lang="en-US" dirty="0"/>
+          </a:p>
+        </p:txBody>
+      </p:sp>
+      <p:sp>
+        <p:nvSpPr>
+          <p:cNvPr id="3" name="Content Placeholder 2"/>
+          <p:cNvSpPr>
+            <a:spLocks noGrp="1"/>
+          </p:cNvSpPr>
+          <p:nvPr>
+            <p:ph idx="1"/>
+          </p:nvPr>
+        </p:nvSpPr>
+        <p:spPr/>
+        <p:txBody>
+          <a:bodyPr/>
+          <a:lstStyle/>
+          <a:p>
+            <a:r>
+              <a:rPr lang="en-US" dirty="0" smtClean="0"/>
+              <a:t>A python file with Function/ Class can be stored in the same directory as the program python file currently working on.</a:t>
+            </a:r>
+          </a:p>
+          <a:p>
+            <a:r>
+              <a:rPr lang="en-US" dirty="0" smtClean="0"/>
+              <a:t>This can be imported directly into the current module by </a:t>
+            </a:r>
+            <a:r>
+              <a:rPr lang="en-US" dirty="0" smtClean="0">
+                <a:solidFill>
+                  <a:schemeClr val="accent5">
+                    <a:lumMod val="75000"/>
+                  </a:schemeClr>
+                </a:solidFill>
+              </a:rPr>
+              <a:t>import</a:t>
+            </a:r>
+            <a:r>
+              <a:rPr lang="en-US" dirty="0" smtClean="0"/>
+              <a:t> command.</a:t>
+            </a:r>
+          </a:p>
+          <a:p>
+            <a:r>
+              <a:rPr lang="en-US" dirty="0" smtClean="0"/>
+              <a:t>For example:</a:t>
+            </a:r>
+          </a:p>
+          <a:p>
+            <a:pPr lvl="1"/>
+            <a:r>
+              <a:rPr lang="en-US" dirty="0" smtClean="0"/>
+              <a:t>Create a python file arithmetic.py with function adder(</a:t>
+            </a:r>
+            <a:r>
+              <a:rPr lang="en-US" dirty="0" err="1" smtClean="0"/>
+              <a:t>x,y</a:t>
+            </a:r>
+            <a:r>
+              <a:rPr lang="en-US" dirty="0" smtClean="0"/>
+              <a:t>) (it returns sum of two numbers)</a:t>
+            </a:r>
+          </a:p>
+          <a:p>
+            <a:pPr lvl="1"/>
+            <a:r>
+              <a:rPr lang="en-US" dirty="0" smtClean="0"/>
+              <a:t>Create another python file by name test.py.</a:t>
+            </a:r>
+          </a:p>
+          <a:p>
+            <a:pPr lvl="1"/>
+            <a:r>
+              <a:rPr lang="en-US" dirty="0" smtClean="0"/>
+              <a:t>Import arithmetic in test.py and invoke the function like </a:t>
+            </a:r>
+            <a:r>
+              <a:rPr lang="en-US" dirty="0" err="1" smtClean="0"/>
+              <a:t>arithmetic.adder</a:t>
+            </a:r>
+            <a:r>
+              <a:rPr lang="en-US" dirty="0" smtClean="0"/>
+              <a:t>(4,5)</a:t>
+            </a:r>
+          </a:p>
+          <a:p>
+            <a:pPr lvl="1"/>
+            <a:r>
+              <a:rPr lang="en-US" dirty="0" smtClean="0"/>
+              <a:t>Print the value returned by the function, this will print 9.</a:t>
+            </a:r>
+          </a:p>
+        </p:txBody>
+      </p:sp>
+    </p:spTree>
+    <p:extLst>
+      <p:ext uri="{BB962C8B-B14F-4D97-AF65-F5344CB8AC3E}">
+        <p14:creationId xmlns:p14="http://schemas.microsoft.com/office/powerpoint/2010/main" val="3665436251"/>
+      </p:ext>
+    </p:extLst>
+  </p:cSld>
+  <p:clrMapOvr>
+    <a:masterClrMapping/>
+  </p:clrMapOvr>
+</p:sld>
+</file>
+
+<file path=ppt/slides/slide4.xml><?xml version="1.0" encoding="utf-8"?>
+<p:sld xmlns:a="http://schemas.openxmlformats.org/drawingml/2006/main" xmlns:r="http://schemas.openxmlformats.org/officeDocument/2006/relationships" xmlns:p="http://schemas.openxmlformats.org/presentationml/2006/main">
+  <p:cSld>
+    <p:spTree>
+      <p:nvGrpSpPr>
+        <p:cNvPr id="1" name=""/>
+        <p:cNvGrpSpPr/>
+        <p:nvPr/>
+      </p:nvGrpSpPr>
+      <p:grpSpPr>
+        <a:xfrm>
+          <a:off x="0" y="0"/>
+          <a:ext cx="0" cy="0"/>
+          <a:chOff x="0" y="0"/>
+          <a:chExt cx="0" cy="0"/>
+        </a:xfrm>
+      </p:grpSpPr>
+      <p:sp>
+        <p:nvSpPr>
+          <p:cNvPr id="2" name="Title 1"/>
+          <p:cNvSpPr>
+            <a:spLocks noGrp="1"/>
+          </p:cNvSpPr>
+          <p:nvPr>
+            <p:ph type="title"/>
+          </p:nvPr>
+        </p:nvSpPr>
+        <p:spPr/>
+        <p:txBody>
+          <a:bodyPr/>
+          <a:lstStyle/>
+          <a:p>
+            <a:r>
+              <a:rPr lang="en-US" dirty="0" smtClean="0"/>
+              <a:t>Create Package/</a:t>
+            </a:r>
+            <a:r>
+              <a:rPr lang="en-US" dirty="0" err="1" smtClean="0"/>
+              <a:t>Subpackage</a:t>
+            </a:r>
+            <a:endParaRPr lang="en-US" dirty="0"/>
+          </a:p>
+        </p:txBody>
+      </p:sp>
+      <p:sp>
+        <p:nvSpPr>
+          <p:cNvPr id="3" name="Content Placeholder 2"/>
+          <p:cNvSpPr>
+            <a:spLocks noGrp="1"/>
+          </p:cNvSpPr>
+          <p:nvPr>
+            <p:ph idx="1"/>
+          </p:nvPr>
+        </p:nvSpPr>
+        <p:spPr/>
+        <p:txBody>
+          <a:bodyPr/>
+          <a:lstStyle/>
+          <a:p>
+            <a:r>
+              <a:rPr lang="en-US" dirty="0" smtClean="0"/>
+              <a:t>Using the arithmetic.py file as described earlier, create a folder in the same directory as test.py by name </a:t>
+            </a:r>
+            <a:r>
+              <a:rPr lang="en-US" dirty="0" err="1" smtClean="0"/>
+              <a:t>CustomMath</a:t>
+            </a:r>
+            <a:r>
+              <a:rPr lang="en-US" dirty="0" smtClean="0"/>
+              <a:t>.</a:t>
+            </a:r>
+          </a:p>
+          <a:p>
+            <a:r>
+              <a:rPr lang="en-US" dirty="0" smtClean="0"/>
+              <a:t>Inside </a:t>
+            </a:r>
+            <a:r>
+              <a:rPr lang="en-US" dirty="0" err="1" smtClean="0"/>
+              <a:t>CustomMath</a:t>
+            </a:r>
+            <a:r>
+              <a:rPr lang="en-US" dirty="0" smtClean="0"/>
+              <a:t> folder, place arithmetic.py and __init__.py (dummy as of now)</a:t>
+            </a:r>
+          </a:p>
+          <a:p>
+            <a:r>
+              <a:rPr lang="en-US" dirty="0" smtClean="0"/>
+              <a:t>This will create </a:t>
+            </a:r>
+            <a:r>
+              <a:rPr lang="en-US" dirty="0" err="1" smtClean="0"/>
+              <a:t>CustomMath</a:t>
+            </a:r>
+            <a:r>
+              <a:rPr lang="en-US" dirty="0" smtClean="0"/>
+              <a:t> as a package and the function can be invoked easily using .(dot operator)</a:t>
+            </a:r>
+          </a:p>
+          <a:p>
+            <a:r>
+              <a:rPr lang="en-US" dirty="0" smtClean="0"/>
+              <a:t>For. Ex. From </a:t>
+            </a:r>
+            <a:r>
+              <a:rPr lang="en-US" dirty="0" err="1" smtClean="0"/>
+              <a:t>CustomMath</a:t>
+            </a:r>
+            <a:r>
+              <a:rPr lang="en-US" dirty="0" smtClean="0"/>
+              <a:t> import arithmetic</a:t>
+            </a:r>
+          </a:p>
+          <a:p>
+            <a:pPr lvl="1"/>
+            <a:r>
+              <a:rPr lang="en-US" dirty="0" err="1"/>
+              <a:t>a</a:t>
+            </a:r>
+            <a:r>
+              <a:rPr lang="en-US" dirty="0" err="1" smtClean="0"/>
+              <a:t>rithmetic.adder</a:t>
+            </a:r>
+            <a:r>
+              <a:rPr lang="en-US" dirty="0" smtClean="0"/>
+              <a:t>(4,5)</a:t>
+            </a:r>
+            <a:endParaRPr lang="en-US" dirty="0"/>
+          </a:p>
+        </p:txBody>
+      </p:sp>
+    </p:spTree>
+    <p:extLst>
+      <p:ext uri="{BB962C8B-B14F-4D97-AF65-F5344CB8AC3E}">
+        <p14:creationId xmlns:p14="http://schemas.microsoft.com/office/powerpoint/2010/main" val="1982156140"/>
+      </p:ext>
+    </p:extLst>
+  </p:cSld>
+  <p:clrMapOvr>
+    <a:masterClrMapping/>
+  </p:clrMapOvr>
+</p:sld>
+</file>
+
 <file path=ppt/theme/theme1.xml><?xml version="1.0" encoding="utf-8"?>
 <a:theme xmlns:a="http://schemas.openxmlformats.org/drawingml/2006/main" name="Facet">
   <a:themeElements>
